--- a/Notes/ACtoPPO.pptx
+++ b/Notes/ACtoPPO.pptx
@@ -268,7 +268,7 @@
           <a:p>
             <a:fld id="{162CCB64-20E9-4320-A446-8EFA082C6043}" type="datetimeFigureOut">
               <a:rPr lang="zh-CN" altLang="en-US" smtClean="0"/>
-              <a:t>2024/11/1</a:t>
+              <a:t>2025/2/27</a:t>
             </a:fld>
             <a:endParaRPr lang="zh-CN" altLang="en-US"/>
           </a:p>
@@ -466,7 +466,7 @@
           <a:p>
             <a:fld id="{162CCB64-20E9-4320-A446-8EFA082C6043}" type="datetimeFigureOut">
               <a:rPr lang="zh-CN" altLang="en-US" smtClean="0"/>
-              <a:t>2024/11/1</a:t>
+              <a:t>2025/2/27</a:t>
             </a:fld>
             <a:endParaRPr lang="zh-CN" altLang="en-US"/>
           </a:p>
@@ -674,7 +674,7 @@
           <a:p>
             <a:fld id="{162CCB64-20E9-4320-A446-8EFA082C6043}" type="datetimeFigureOut">
               <a:rPr lang="zh-CN" altLang="en-US" smtClean="0"/>
-              <a:t>2024/11/1</a:t>
+              <a:t>2025/2/27</a:t>
             </a:fld>
             <a:endParaRPr lang="zh-CN" altLang="en-US"/>
           </a:p>
@@ -872,7 +872,7 @@
           <a:p>
             <a:fld id="{162CCB64-20E9-4320-A446-8EFA082C6043}" type="datetimeFigureOut">
               <a:rPr lang="zh-CN" altLang="en-US" smtClean="0"/>
-              <a:t>2024/11/1</a:t>
+              <a:t>2025/2/27</a:t>
             </a:fld>
             <a:endParaRPr lang="zh-CN" altLang="en-US"/>
           </a:p>
@@ -1147,7 +1147,7 @@
           <a:p>
             <a:fld id="{162CCB64-20E9-4320-A446-8EFA082C6043}" type="datetimeFigureOut">
               <a:rPr lang="zh-CN" altLang="en-US" smtClean="0"/>
-              <a:t>2024/11/1</a:t>
+              <a:t>2025/2/27</a:t>
             </a:fld>
             <a:endParaRPr lang="zh-CN" altLang="en-US"/>
           </a:p>
@@ -1412,7 +1412,7 @@
           <a:p>
             <a:fld id="{162CCB64-20E9-4320-A446-8EFA082C6043}" type="datetimeFigureOut">
               <a:rPr lang="zh-CN" altLang="en-US" smtClean="0"/>
-              <a:t>2024/11/1</a:t>
+              <a:t>2025/2/27</a:t>
             </a:fld>
             <a:endParaRPr lang="zh-CN" altLang="en-US"/>
           </a:p>
@@ -1824,7 +1824,7 @@
           <a:p>
             <a:fld id="{162CCB64-20E9-4320-A446-8EFA082C6043}" type="datetimeFigureOut">
               <a:rPr lang="zh-CN" altLang="en-US" smtClean="0"/>
-              <a:t>2024/11/1</a:t>
+              <a:t>2025/2/27</a:t>
             </a:fld>
             <a:endParaRPr lang="zh-CN" altLang="en-US"/>
           </a:p>
@@ -1965,7 +1965,7 @@
           <a:p>
             <a:fld id="{162CCB64-20E9-4320-A446-8EFA082C6043}" type="datetimeFigureOut">
               <a:rPr lang="zh-CN" altLang="en-US" smtClean="0"/>
-              <a:t>2024/11/1</a:t>
+              <a:t>2025/2/27</a:t>
             </a:fld>
             <a:endParaRPr lang="zh-CN" altLang="en-US"/>
           </a:p>
@@ -2078,7 +2078,7 @@
           <a:p>
             <a:fld id="{162CCB64-20E9-4320-A446-8EFA082C6043}" type="datetimeFigureOut">
               <a:rPr lang="zh-CN" altLang="en-US" smtClean="0"/>
-              <a:t>2024/11/1</a:t>
+              <a:t>2025/2/27</a:t>
             </a:fld>
             <a:endParaRPr lang="zh-CN" altLang="en-US"/>
           </a:p>
@@ -2389,7 +2389,7 @@
           <a:p>
             <a:fld id="{162CCB64-20E9-4320-A446-8EFA082C6043}" type="datetimeFigureOut">
               <a:rPr lang="zh-CN" altLang="en-US" smtClean="0"/>
-              <a:t>2024/11/1</a:t>
+              <a:t>2025/2/27</a:t>
             </a:fld>
             <a:endParaRPr lang="zh-CN" altLang="en-US"/>
           </a:p>
@@ -2677,7 +2677,7 @@
           <a:p>
             <a:fld id="{162CCB64-20E9-4320-A446-8EFA082C6043}" type="datetimeFigureOut">
               <a:rPr lang="zh-CN" altLang="en-US" smtClean="0"/>
-              <a:t>2024/11/1</a:t>
+              <a:t>2025/2/27</a:t>
             </a:fld>
             <a:endParaRPr lang="zh-CN" altLang="en-US"/>
           </a:p>
@@ -2918,7 +2918,7 @@
           <a:p>
             <a:fld id="{162CCB64-20E9-4320-A446-8EFA082C6043}" type="datetimeFigureOut">
               <a:rPr lang="zh-CN" altLang="en-US" smtClean="0"/>
-              <a:t>2024/11/1</a:t>
+              <a:t>2025/2/27</a:t>
             </a:fld>
             <a:endParaRPr lang="zh-CN" altLang="en-US"/>
           </a:p>
@@ -5538,7 +5538,7 @@
           <p:nvPr>
             <p:extLst>
               <p:ext uri="{D42A27DB-BD31-4B8C-83A1-F6EECF244321}">
-                <p14:modId xmlns:p14="http://schemas.microsoft.com/office/powerpoint/2010/main" val="1941827724"/>
+                <p14:modId xmlns:p14="http://schemas.microsoft.com/office/powerpoint/2010/main" val="2011279720"/>
               </p:ext>
             </p:extLst>
           </p:nvPr>
